--- a/documents/ppPoster.pptx
+++ b/documents/ppPoster.pptx
@@ -243,7 +243,7 @@
   </p:defaultTextStyle>
   <p:extLst>
     <p:ext uri="GoogleSlidesCustomDataVersion2">
-      <go:slidesCustomData xmlns:go="http://customooxmlschemas.google.com/" r:id="rId6" roundtripDataSignature="AMtx7miJTGuQBw7EmpFabqlbDDPtifWs7A=="/>
+      <go:slidesCustomData xmlns:go="http://customooxmlschemas.google.com/" r:id="rId6" roundtripDataSignature="AMtx7mhs4hDlqkO5HkEiC27LUi/YitZGvg=="/>
     </p:ext>
   </p:extLst>
 </p:presentation>
@@ -14925,8 +14925,8 @@
         </p:nvSpPr>
         <p:spPr>
           <a:xfrm>
-            <a:off x="1371600" y="7315200"/>
-            <a:ext cx="8953200" cy="10433700"/>
+            <a:off x="1267975" y="7315200"/>
+            <a:ext cx="9354300" cy="9450900"/>
           </a:xfrm>
           <a:prstGeom prst="rect">
             <a:avLst/>
@@ -14999,7 +14999,7 @@
         </p:nvSpPr>
         <p:spPr>
           <a:xfrm>
-            <a:off x="1371600" y="6405925"/>
+            <a:off x="2173225" y="6359700"/>
             <a:ext cx="7543800" cy="831000"/>
           </a:xfrm>
           <a:prstGeom prst="rect">
@@ -15356,8 +15356,8 @@
         </p:nvSpPr>
         <p:spPr>
           <a:xfrm>
-            <a:off x="11386722" y="7315193"/>
-            <a:ext cx="15800832" cy="10211986"/>
+            <a:off x="11329350" y="7315200"/>
+            <a:ext cx="16213200" cy="10214400"/>
           </a:xfrm>
           <a:prstGeom prst="rect">
             <a:avLst/>
@@ -15587,7 +15587,7 @@
         </p:nvSpPr>
         <p:spPr>
           <a:xfrm>
-            <a:off x="10324650" y="6405925"/>
+            <a:off x="9942450" y="6359700"/>
             <a:ext cx="18519900" cy="831000"/>
           </a:xfrm>
           <a:prstGeom prst="rect">
@@ -15655,8 +15655,8 @@
         </p:nvSpPr>
         <p:spPr>
           <a:xfrm>
-            <a:off x="1267968" y="21185505"/>
-            <a:ext cx="16557900" cy="6495600"/>
+            <a:off x="1267975" y="21185500"/>
+            <a:ext cx="17005800" cy="6003000"/>
           </a:xfrm>
           <a:prstGeom prst="rect">
             <a:avLst/>
@@ -15804,7 +15804,7 @@
         </p:nvSpPr>
         <p:spPr>
           <a:xfrm>
-            <a:off x="5716905" y="19915994"/>
+            <a:off x="5998980" y="20034807"/>
             <a:ext cx="7543800" cy="831000"/>
           </a:xfrm>
           <a:prstGeom prst="rect">
@@ -15872,8 +15872,8 @@
         </p:nvSpPr>
         <p:spPr>
           <a:xfrm>
-            <a:off x="29385768" y="20956564"/>
-            <a:ext cx="7543800" cy="10433585"/>
+            <a:off x="28249625" y="20956575"/>
+            <a:ext cx="8679900" cy="8958300"/>
           </a:xfrm>
           <a:prstGeom prst="rect">
             <a:avLst/>
@@ -15977,8 +15977,8 @@
         </p:nvSpPr>
         <p:spPr>
           <a:xfrm>
-            <a:off x="29385768" y="19963222"/>
-            <a:ext cx="7543800" cy="914400"/>
+            <a:off x="28817668" y="20068022"/>
+            <a:ext cx="7543800" cy="831000"/>
           </a:xfrm>
           <a:prstGeom prst="rect">
             <a:avLst/>
@@ -16045,7 +16045,7 @@
         </p:nvSpPr>
         <p:spPr>
           <a:xfrm>
-            <a:off x="28249626" y="17901409"/>
+            <a:off x="28845151" y="17862709"/>
             <a:ext cx="7543800" cy="1077300"/>
           </a:xfrm>
           <a:prstGeom prst="rect">
@@ -16193,8 +16193,8 @@
         </p:nvSpPr>
         <p:spPr>
           <a:xfrm>
-            <a:off x="29413200" y="32787055"/>
-            <a:ext cx="7543800" cy="3539390"/>
+            <a:off x="28277100" y="32787050"/>
+            <a:ext cx="8679900" cy="3047700"/>
           </a:xfrm>
           <a:prstGeom prst="rect">
             <a:avLst/>
@@ -16327,47 +16327,7 @@
         </p:blipFill>
         <p:spPr>
           <a:xfrm>
-            <a:off x="28249626" y="7338059"/>
-            <a:ext cx="8733658" cy="10241286"/>
-          </a:xfrm>
-          <a:prstGeom prst="rect">
-            <a:avLst/>
-          </a:prstGeom>
-          <a:noFill/>
-          <a:ln cap="sq" cmpd="sng" w="38100">
-            <a:solidFill>
-              <a:srgbClr val="000000"/>
-            </a:solidFill>
-            <a:prstDash val="solid"/>
-            <a:miter lim="800000"/>
-            <a:headEnd len="sm" w="sm" type="none"/>
-            <a:tailEnd len="sm" w="sm" type="none"/>
-          </a:ln>
-          <a:effectLst>
-            <a:outerShdw blurRad="50800" rotWithShape="0" algn="tl" dir="2700000" dist="38100">
-              <a:srgbClr val="000000">
-                <a:alpha val="42745"/>
-              </a:srgbClr>
-            </a:outerShdw>
-          </a:effectLst>
-        </p:spPr>
-      </p:pic>
-      <p:pic>
-        <p:nvPicPr>
-          <p:cNvPr id="107" name="Google Shape;107;p1"/>
-          <p:cNvPicPr preferRelativeResize="0"/>
-          <p:nvPr/>
-        </p:nvPicPr>
-        <p:blipFill rotWithShape="1">
-          <a:blip r:embed="rId6">
-            <a:alphaModFix/>
-          </a:blip>
-          <a:srcRect b="0" l="0" r="0" t="0"/>
-          <a:stretch/>
-        </p:blipFill>
-        <p:spPr>
-          <a:xfrm>
-            <a:off x="19584600" y="21046076"/>
+            <a:off x="19283136" y="21046076"/>
             <a:ext cx="7957128" cy="12785445"/>
           </a:xfrm>
           <a:prstGeom prst="rect">
@@ -16394,13 +16354,13 @@
       </p:pic>
       <p:sp>
         <p:nvSpPr>
-          <p:cNvPr id="108" name="Google Shape;108;p1"/>
+          <p:cNvPr id="107" name="Google Shape;107;p1"/>
           <p:cNvSpPr txBox="1"/>
           <p:nvPr/>
         </p:nvSpPr>
         <p:spPr>
           <a:xfrm>
-            <a:off x="19584600" y="34264855"/>
+            <a:off x="19283125" y="34318955"/>
             <a:ext cx="7543800" cy="1569900"/>
           </a:xfrm>
           <a:prstGeom prst="rect">
@@ -16474,12 +16434,12 @@
       </p:sp>
       <p:pic>
         <p:nvPicPr>
-          <p:cNvPr id="109" name="Google Shape;109;p1"/>
+          <p:cNvPr id="108" name="Google Shape;108;p1"/>
           <p:cNvPicPr preferRelativeResize="0"/>
           <p:nvPr/>
         </p:nvPicPr>
         <p:blipFill rotWithShape="1">
-          <a:blip r:embed="rId7">
+          <a:blip r:embed="rId6">
             <a:alphaModFix/>
           </a:blip>
           <a:srcRect b="0" l="0" r="0" t="0"/>
@@ -16487,8 +16447,8 @@
         </p:blipFill>
         <p:spPr>
           <a:xfrm>
-            <a:off x="1261872" y="28118061"/>
-            <a:ext cx="16453866" cy="7770784"/>
+            <a:off x="1261875" y="28118050"/>
+            <a:ext cx="17005802" cy="7770800"/>
           </a:xfrm>
           <a:prstGeom prst="rect">
             <a:avLst/>
@@ -16514,7 +16474,7 @@
       </p:pic>
       <p:sp>
         <p:nvSpPr>
-          <p:cNvPr id="110" name="Google Shape;110;p1"/>
+          <p:cNvPr id="109" name="Google Shape;109;p1"/>
           <p:cNvSpPr txBox="1"/>
           <p:nvPr/>
         </p:nvSpPr>
@@ -16592,32 +16552,40 @@
           </a:p>
         </p:txBody>
       </p:sp>
-      <p:cxnSp>
-        <p:nvCxnSpPr>
-          <p:cNvPr id="111" name="Google Shape;111;p1"/>
-          <p:cNvCxnSpPr/>
+      <p:pic>
+        <p:nvPicPr>
+          <p:cNvPr id="110" name="Google Shape;110;p1"/>
+          <p:cNvPicPr preferRelativeResize="0"/>
           <p:nvPr/>
-        </p:nvCxnSpPr>
+        </p:nvPicPr>
+        <p:blipFill>
+          <a:blip r:embed="rId7">
+            <a:alphaModFix/>
+          </a:blip>
+          <a:stretch>
+            <a:fillRect/>
+          </a:stretch>
+        </p:blipFill>
         <p:spPr>
           <a:xfrm>
-            <a:off x="1267968" y="19202400"/>
-            <a:ext cx="35661600" cy="0"/>
+            <a:off x="28249625" y="7253550"/>
+            <a:ext cx="8811868" cy="10214400"/>
           </a:xfrm>
-          <a:prstGeom prst="straightConnector1">
+          <a:prstGeom prst="rect">
             <a:avLst/>
           </a:prstGeom>
           <a:noFill/>
-          <a:ln cap="flat" cmpd="sng" w="63500">
+          <a:ln cap="flat" cmpd="sng" w="38100">
             <a:solidFill>
               <a:schemeClr val="dk1"/>
             </a:solidFill>
             <a:prstDash val="solid"/>
-            <a:miter lim="800000"/>
+            <a:round/>
             <a:headEnd len="sm" w="sm" type="none"/>
             <a:tailEnd len="sm" w="sm" type="none"/>
           </a:ln>
         </p:spPr>
-      </p:cxnSp>
+      </p:pic>
     </p:spTree>
   </p:cSld>
   <p:clrMapOvr>
@@ -16629,7 +16597,7 @@
 <file path=ppt/theme/theme1.xml><?xml version="1.0" encoding="utf-8"?>
 <a:theme xmlns:a="http://schemas.openxmlformats.org/drawingml/2006/main" xmlns:r="http://schemas.openxmlformats.org/officeDocument/2006/relationships" name="Office Theme">
   <a:themeElements>
-    <a:clrScheme name="Office">
+    <a:clrScheme name="Office Theme">
       <a:dk1>
         <a:srgbClr val="000000"/>
       </a:dk1>
@@ -16908,7 +16876,7 @@
 <file path=ppt/theme/theme2.xml><?xml version="1.0" encoding="utf-8"?>
 <a:theme xmlns:a="http://schemas.openxmlformats.org/drawingml/2006/main" xmlns:r="http://schemas.openxmlformats.org/officeDocument/2006/relationships" name="Office Theme">
   <a:themeElements>
-    <a:clrScheme name="Office Theme">
+    <a:clrScheme name="Office">
       <a:dk1>
         <a:srgbClr val="000000"/>
       </a:dk1>
